--- a/OPRC London UCV Demo.pptx
+++ b/OPRC London UCV Demo.pptx
@@ -213,7 +213,7 @@
           <a:p>
             <a:fld id="{E17CC61B-3F04-447E-9A9F-8BC77E899493}" type="datetimeFigureOut">
               <a:rPr lang="en-SG" smtClean="0"/>
-              <a:t>28/10/2016</a:t>
+              <a:t>2/11/2016</a:t>
             </a:fld>
             <a:endParaRPr lang="en-SG"/>
           </a:p>
@@ -581,7 +581,7 @@
             <a:fld id="{B1D2EC80-2F6F-436D-AF3A-40A3B89B8FA4}" type="datetimeFigureOut">
               <a:rPr lang="en-SG" smtClean="0"/>
               <a:pPr/>
-              <a:t>28/10/2016</a:t>
+              <a:t>2/11/2016</a:t>
             </a:fld>
             <a:endParaRPr lang="en-SG"/>
           </a:p>
@@ -789,7 +789,7 @@
             <a:fld id="{B1D2EC80-2F6F-436D-AF3A-40A3B89B8FA4}" type="datetimeFigureOut">
               <a:rPr lang="en-SG" smtClean="0"/>
               <a:pPr/>
-              <a:t>28/10/2016</a:t>
+              <a:t>2/11/2016</a:t>
             </a:fld>
             <a:endParaRPr lang="en-SG"/>
           </a:p>
@@ -971,7 +971,7 @@
             <a:fld id="{B1D2EC80-2F6F-436D-AF3A-40A3B89B8FA4}" type="datetimeFigureOut">
               <a:rPr lang="en-SG" smtClean="0"/>
               <a:pPr/>
-              <a:t>28/10/2016</a:t>
+              <a:t>2/11/2016</a:t>
             </a:fld>
             <a:endParaRPr lang="en-SG"/>
           </a:p>
@@ -1143,7 +1143,7 @@
             <a:fld id="{B1D2EC80-2F6F-436D-AF3A-40A3B89B8FA4}" type="datetimeFigureOut">
               <a:rPr lang="en-SG" smtClean="0"/>
               <a:pPr/>
-              <a:t>28/10/2016</a:t>
+              <a:t>2/11/2016</a:t>
             </a:fld>
             <a:endParaRPr lang="en-SG"/>
           </a:p>
@@ -1398,7 +1398,7 @@
             <a:fld id="{B1D2EC80-2F6F-436D-AF3A-40A3B89B8FA4}" type="datetimeFigureOut">
               <a:rPr lang="en-SG" smtClean="0"/>
               <a:pPr/>
-              <a:t>28/10/2016</a:t>
+              <a:t>2/11/2016</a:t>
             </a:fld>
             <a:endParaRPr lang="en-SG"/>
           </a:p>
@@ -1632,7 +1632,7 @@
             <a:fld id="{B1D2EC80-2F6F-436D-AF3A-40A3B89B8FA4}" type="datetimeFigureOut">
               <a:rPr lang="en-SG" smtClean="0"/>
               <a:pPr/>
-              <a:t>28/10/2016</a:t>
+              <a:t>2/11/2016</a:t>
             </a:fld>
             <a:endParaRPr lang="en-SG"/>
           </a:p>
@@ -2001,7 +2001,7 @@
             <a:fld id="{B1D2EC80-2F6F-436D-AF3A-40A3B89B8FA4}" type="datetimeFigureOut">
               <a:rPr lang="en-SG" smtClean="0"/>
               <a:pPr/>
-              <a:t>28/10/2016</a:t>
+              <a:t>2/11/2016</a:t>
             </a:fld>
             <a:endParaRPr lang="en-SG"/>
           </a:p>
@@ -2121,7 +2121,7 @@
             <a:fld id="{B1D2EC80-2F6F-436D-AF3A-40A3B89B8FA4}" type="datetimeFigureOut">
               <a:rPr lang="en-SG" smtClean="0"/>
               <a:pPr/>
-              <a:t>28/10/2016</a:t>
+              <a:t>2/11/2016</a:t>
             </a:fld>
             <a:endParaRPr lang="en-SG"/>
           </a:p>
@@ -2218,7 +2218,7 @@
             <a:fld id="{B1D2EC80-2F6F-436D-AF3A-40A3B89B8FA4}" type="datetimeFigureOut">
               <a:rPr lang="en-SG" smtClean="0"/>
               <a:pPr/>
-              <a:t>28/10/2016</a:t>
+              <a:t>2/11/2016</a:t>
             </a:fld>
             <a:endParaRPr lang="en-SG"/>
           </a:p>
@@ -2497,7 +2497,7 @@
             <a:fld id="{B1D2EC80-2F6F-436D-AF3A-40A3B89B8FA4}" type="datetimeFigureOut">
               <a:rPr lang="en-SG" smtClean="0"/>
               <a:pPr/>
-              <a:t>28/10/2016</a:t>
+              <a:t>2/11/2016</a:t>
             </a:fld>
             <a:endParaRPr lang="en-SG"/>
           </a:p>
@@ -2752,7 +2752,7 @@
             <a:fld id="{B1D2EC80-2F6F-436D-AF3A-40A3B89B8FA4}" type="datetimeFigureOut">
               <a:rPr lang="en-SG" smtClean="0"/>
               <a:pPr/>
-              <a:t>28/10/2016</a:t>
+              <a:t>2/11/2016</a:t>
             </a:fld>
             <a:endParaRPr lang="en-SG"/>
           </a:p>
@@ -2997,7 +2997,7 @@
             <a:fld id="{B1D2EC80-2F6F-436D-AF3A-40A3B89B8FA4}" type="datetimeFigureOut">
               <a:rPr lang="en-SG" smtClean="0"/>
               <a:pPr/>
-              <a:t>28/10/2016</a:t>
+              <a:t>2/11/2016</a:t>
             </a:fld>
             <a:endParaRPr lang="en-SG"/>
           </a:p>
@@ -3845,8 +3845,8 @@
         </p:nvSpPr>
         <p:spPr>
           <a:xfrm>
-            <a:off x="838200" y="1321356"/>
-            <a:ext cx="5898411" cy="369332"/>
+            <a:off x="838200" y="1365801"/>
+            <a:ext cx="10870892" cy="369332"/>
           </a:xfrm>
           <a:prstGeom prst="rect">
             <a:avLst/>
@@ -3854,15 +3854,26 @@
           <a:noFill/>
         </p:spPr>
         <p:txBody>
-          <a:bodyPr wrap="none" rtlCol="0">
+          <a:bodyPr wrap="square" rtlCol="0">
             <a:spAutoFit/>
           </a:bodyPr>
           <a:lstStyle/>
           <a:p>
-            <a:pPr algn="ctr"/>
             <a:r>
               <a:rPr lang="en-US" dirty="0" smtClean="0"/>
-              <a:t>How much money can we make after a marketing campaign? </a:t>
+              <a:t>“Winter is coming!!!” How </a:t>
+            </a:r>
+            <a:r>
+              <a:rPr lang="en-US" dirty="0" smtClean="0"/>
+              <a:t>much money can we make after </a:t>
+            </a:r>
+            <a:r>
+              <a:rPr lang="en-US" dirty="0" smtClean="0"/>
+              <a:t>running a “Game of Thrones” marketing </a:t>
+            </a:r>
+            <a:r>
+              <a:rPr lang="en-US" dirty="0" smtClean="0"/>
+              <a:t>campaign? </a:t>
             </a:r>
             <a:endParaRPr lang="en-US" dirty="0"/>
           </a:p>
@@ -3876,8 +3887,8 @@
         </p:nvGrpSpPr>
         <p:grpSpPr>
           <a:xfrm>
-            <a:off x="738891" y="1990534"/>
-            <a:ext cx="10723304" cy="1200329"/>
+            <a:off x="451945" y="1990534"/>
+            <a:ext cx="11010250" cy="1200329"/>
             <a:chOff x="197981" y="1990534"/>
             <a:chExt cx="10723304" cy="1200329"/>
           </a:xfrm>
@@ -3891,7 +3902,7 @@
           <p:spPr>
             <a:xfrm>
               <a:off x="197981" y="2129037"/>
-              <a:ext cx="3117591" cy="923330"/>
+              <a:ext cx="3640661" cy="923330"/>
             </a:xfrm>
             <a:prstGeom prst="rect">
               <a:avLst/>
@@ -3906,19 +3917,44 @@
             <a:p>
               <a:r>
                 <a:rPr lang="en-US" dirty="0" smtClean="0"/>
-                <a:t>10M customer CRM records</a:t>
+                <a:t>10M </a:t>
+              </a:r>
+              <a:r>
+                <a:rPr lang="en-US" dirty="0" smtClean="0"/>
+                <a:t>customer </a:t>
+              </a:r>
+              <a:r>
+                <a:rPr lang="en-US" dirty="0" smtClean="0"/>
+                <a:t>CRM </a:t>
+              </a:r>
+              <a:r>
+                <a:rPr lang="en-US" dirty="0" smtClean="0"/>
+                <a:t>records*</a:t>
+              </a:r>
+              <a:endParaRPr lang="en-US" dirty="0" smtClean="0"/>
+            </a:p>
+            <a:p>
+              <a:r>
+                <a:rPr lang="en-US" dirty="0" smtClean="0"/>
+                <a:t>100M </a:t>
+              </a:r>
+              <a:r>
+                <a:rPr lang="en-US" dirty="0" smtClean="0"/>
+                <a:t>per service per user records*</a:t>
+              </a:r>
+              <a:r>
+                <a:rPr lang="en-US" dirty="0" smtClean="0"/>
+                <a:t> </a:t>
               </a:r>
             </a:p>
             <a:p>
               <a:r>
                 <a:rPr lang="en-US" dirty="0" smtClean="0"/>
-                <a:t>100M PSPU core trace records</a:t>
+                <a:t>External </a:t>
               </a:r>
-            </a:p>
-            <a:p>
               <a:r>
                 <a:rPr lang="en-US" dirty="0" smtClean="0"/>
-                <a:t>External demographic data</a:t>
+                <a:t>demographic data</a:t>
               </a:r>
             </a:p>
           </p:txBody>
@@ -4075,8 +4111,8 @@
           </p:nvCxnSpPr>
           <p:spPr>
             <a:xfrm>
-              <a:off x="3295621" y="2590700"/>
-              <a:ext cx="664069" cy="0"/>
+              <a:off x="3504347" y="2590697"/>
+              <a:ext cx="455343" cy="3"/>
             </a:xfrm>
             <a:prstGeom prst="straightConnector1">
               <a:avLst/>
@@ -4108,8 +4144,8 @@
           </p:nvCxnSpPr>
           <p:spPr>
             <a:xfrm>
-              <a:off x="5628095" y="2590699"/>
-              <a:ext cx="664069" cy="0"/>
+              <a:off x="5828015" y="2590697"/>
+              <a:ext cx="464149" cy="2"/>
             </a:xfrm>
             <a:prstGeom prst="straightConnector1">
               <a:avLst/>
@@ -4141,8 +4177,8 @@
           </p:nvCxnSpPr>
           <p:spPr>
             <a:xfrm>
-              <a:off x="7821162" y="2590698"/>
-              <a:ext cx="664069" cy="0"/>
+              <a:off x="8039084" y="2590697"/>
+              <a:ext cx="446147" cy="1"/>
             </a:xfrm>
             <a:prstGeom prst="straightConnector1">
               <a:avLst/>
@@ -4167,6 +4203,44 @@
           </p:style>
         </p:cxnSp>
       </p:grpSp>
+      <p:sp>
+        <p:nvSpPr>
+          <p:cNvPr id="8" name="TextBox 7"/>
+          <p:cNvSpPr txBox="1"/>
+          <p:nvPr/>
+        </p:nvSpPr>
+        <p:spPr>
+          <a:xfrm>
+            <a:off x="451945" y="6253655"/>
+            <a:ext cx="1032655" cy="246221"/>
+          </a:xfrm>
+          <a:prstGeom prst="rect">
+            <a:avLst/>
+          </a:prstGeom>
+          <a:noFill/>
+        </p:spPr>
+        <p:txBody>
+          <a:bodyPr wrap="none" rtlCol="0">
+            <a:spAutoFit/>
+          </a:bodyPr>
+          <a:lstStyle/>
+          <a:p>
+            <a:r>
+              <a:rPr lang="en-US" sz="1000" dirty="0" smtClean="0">
+                <a:solidFill>
+                  <a:srgbClr val="FF0000"/>
+                </a:solidFill>
+              </a:rPr>
+              <a:t>*Simulated data</a:t>
+            </a:r>
+            <a:endParaRPr lang="en-US" sz="1000" dirty="0">
+              <a:solidFill>
+                <a:srgbClr val="FF0000"/>
+              </a:solidFill>
+            </a:endParaRPr>
+          </a:p>
+        </p:txBody>
+      </p:sp>
     </p:spTree>
     <p:extLst>
       <p:ext uri="{BB962C8B-B14F-4D97-AF65-F5344CB8AC3E}">

--- a/OPRC London UCV Demo.pptx
+++ b/OPRC London UCV Demo.pptx
@@ -213,7 +213,7 @@
           <a:p>
             <a:fld id="{E17CC61B-3F04-447E-9A9F-8BC77E899493}" type="datetimeFigureOut">
               <a:rPr lang="en-SG" smtClean="0"/>
-              <a:t>2/11/2016</a:t>
+              <a:t>4/11/2016</a:t>
             </a:fld>
             <a:endParaRPr lang="en-SG"/>
           </a:p>
@@ -581,7 +581,7 @@
             <a:fld id="{B1D2EC80-2F6F-436D-AF3A-40A3B89B8FA4}" type="datetimeFigureOut">
               <a:rPr lang="en-SG" smtClean="0"/>
               <a:pPr/>
-              <a:t>2/11/2016</a:t>
+              <a:t>4/11/2016</a:t>
             </a:fld>
             <a:endParaRPr lang="en-SG"/>
           </a:p>
@@ -789,7 +789,7 @@
             <a:fld id="{B1D2EC80-2F6F-436D-AF3A-40A3B89B8FA4}" type="datetimeFigureOut">
               <a:rPr lang="en-SG" smtClean="0"/>
               <a:pPr/>
-              <a:t>2/11/2016</a:t>
+              <a:t>4/11/2016</a:t>
             </a:fld>
             <a:endParaRPr lang="en-SG"/>
           </a:p>
@@ -971,7 +971,7 @@
             <a:fld id="{B1D2EC80-2F6F-436D-AF3A-40A3B89B8FA4}" type="datetimeFigureOut">
               <a:rPr lang="en-SG" smtClean="0"/>
               <a:pPr/>
-              <a:t>2/11/2016</a:t>
+              <a:t>4/11/2016</a:t>
             </a:fld>
             <a:endParaRPr lang="en-SG"/>
           </a:p>
@@ -1143,7 +1143,7 @@
             <a:fld id="{B1D2EC80-2F6F-436D-AF3A-40A3B89B8FA4}" type="datetimeFigureOut">
               <a:rPr lang="en-SG" smtClean="0"/>
               <a:pPr/>
-              <a:t>2/11/2016</a:t>
+              <a:t>4/11/2016</a:t>
             </a:fld>
             <a:endParaRPr lang="en-SG"/>
           </a:p>
@@ -1398,7 +1398,7 @@
             <a:fld id="{B1D2EC80-2F6F-436D-AF3A-40A3B89B8FA4}" type="datetimeFigureOut">
               <a:rPr lang="en-SG" smtClean="0"/>
               <a:pPr/>
-              <a:t>2/11/2016</a:t>
+              <a:t>4/11/2016</a:t>
             </a:fld>
             <a:endParaRPr lang="en-SG"/>
           </a:p>
@@ -1632,7 +1632,7 @@
             <a:fld id="{B1D2EC80-2F6F-436D-AF3A-40A3B89B8FA4}" type="datetimeFigureOut">
               <a:rPr lang="en-SG" smtClean="0"/>
               <a:pPr/>
-              <a:t>2/11/2016</a:t>
+              <a:t>4/11/2016</a:t>
             </a:fld>
             <a:endParaRPr lang="en-SG"/>
           </a:p>
@@ -2001,7 +2001,7 @@
             <a:fld id="{B1D2EC80-2F6F-436D-AF3A-40A3B89B8FA4}" type="datetimeFigureOut">
               <a:rPr lang="en-SG" smtClean="0"/>
               <a:pPr/>
-              <a:t>2/11/2016</a:t>
+              <a:t>4/11/2016</a:t>
             </a:fld>
             <a:endParaRPr lang="en-SG"/>
           </a:p>
@@ -2121,7 +2121,7 @@
             <a:fld id="{B1D2EC80-2F6F-436D-AF3A-40A3B89B8FA4}" type="datetimeFigureOut">
               <a:rPr lang="en-SG" smtClean="0"/>
               <a:pPr/>
-              <a:t>2/11/2016</a:t>
+              <a:t>4/11/2016</a:t>
             </a:fld>
             <a:endParaRPr lang="en-SG"/>
           </a:p>
@@ -2218,7 +2218,7 @@
             <a:fld id="{B1D2EC80-2F6F-436D-AF3A-40A3B89B8FA4}" type="datetimeFigureOut">
               <a:rPr lang="en-SG" smtClean="0"/>
               <a:pPr/>
-              <a:t>2/11/2016</a:t>
+              <a:t>4/11/2016</a:t>
             </a:fld>
             <a:endParaRPr lang="en-SG"/>
           </a:p>
@@ -2497,7 +2497,7 @@
             <a:fld id="{B1D2EC80-2F6F-436D-AF3A-40A3B89B8FA4}" type="datetimeFigureOut">
               <a:rPr lang="en-SG" smtClean="0"/>
               <a:pPr/>
-              <a:t>2/11/2016</a:t>
+              <a:t>4/11/2016</a:t>
             </a:fld>
             <a:endParaRPr lang="en-SG"/>
           </a:p>
@@ -2752,7 +2752,7 @@
             <a:fld id="{B1D2EC80-2F6F-436D-AF3A-40A3B89B8FA4}" type="datetimeFigureOut">
               <a:rPr lang="en-SG" smtClean="0"/>
               <a:pPr/>
-              <a:t>2/11/2016</a:t>
+              <a:t>4/11/2016</a:t>
             </a:fld>
             <a:endParaRPr lang="en-SG"/>
           </a:p>
@@ -2997,7 +2997,7 @@
             <a:fld id="{B1D2EC80-2F6F-436D-AF3A-40A3B89B8FA4}" type="datetimeFigureOut">
               <a:rPr lang="en-SG" smtClean="0"/>
               <a:pPr/>
-              <a:t>2/11/2016</a:t>
+              <a:t>4/11/2016</a:t>
             </a:fld>
             <a:endParaRPr lang="en-SG"/>
           </a:p>
@@ -3813,30 +3813,6 @@
           </a:p>
         </p:txBody>
       </p:sp>
-      <p:pic>
-        <p:nvPicPr>
-          <p:cNvPr id="11" name="Picture 10"/>
-          <p:cNvPicPr>
-            <a:picLocks noChangeAspect="1"/>
-          </p:cNvPicPr>
-          <p:nvPr/>
-        </p:nvPicPr>
-        <p:blipFill>
-          <a:blip r:embed="rId2"/>
-          <a:stretch>
-            <a:fillRect/>
-          </a:stretch>
-        </p:blipFill>
-        <p:spPr>
-          <a:xfrm>
-            <a:off x="2649259" y="3401816"/>
-            <a:ext cx="6549989" cy="3199847"/>
-          </a:xfrm>
-          <a:prstGeom prst="rect">
-            <a:avLst/>
-          </a:prstGeom>
-        </p:spPr>
-      </p:pic>
       <p:sp>
         <p:nvSpPr>
           <p:cNvPr id="44" name="TextBox 43"/>
@@ -3861,19 +3837,7 @@
           <a:p>
             <a:r>
               <a:rPr lang="en-US" dirty="0" smtClean="0"/>
-              <a:t>“Winter is coming!!!” How </a:t>
-            </a:r>
-            <a:r>
-              <a:rPr lang="en-US" dirty="0" smtClean="0"/>
-              <a:t>much money can we make after </a:t>
-            </a:r>
-            <a:r>
-              <a:rPr lang="en-US" dirty="0" smtClean="0"/>
-              <a:t>running a “Game of Thrones” marketing </a:t>
-            </a:r>
-            <a:r>
-              <a:rPr lang="en-US" dirty="0" smtClean="0"/>
-              <a:t>campaign? </a:t>
+              <a:t>“Winter is coming!!!” How much money can we make after running a “Game of Thrones” marketing campaign? </a:t>
             </a:r>
             <a:endParaRPr lang="en-US" dirty="0"/>
           </a:p>
@@ -3887,10 +3851,10 @@
         </p:nvGrpSpPr>
         <p:grpSpPr>
           <a:xfrm>
-            <a:off x="451945" y="1990534"/>
-            <a:ext cx="11010250" cy="1200329"/>
-            <a:chOff x="197981" y="1990534"/>
-            <a:chExt cx="10723304" cy="1200329"/>
+            <a:off x="451945" y="2129037"/>
+            <a:ext cx="11010250" cy="933417"/>
+            <a:chOff x="197981" y="2129037"/>
+            <a:chExt cx="10723304" cy="933417"/>
           </a:xfrm>
         </p:grpSpPr>
         <p:sp>
@@ -3917,44 +3881,19 @@
             <a:p>
               <a:r>
                 <a:rPr lang="en-US" dirty="0" smtClean="0"/>
-                <a:t>10M </a:t>
-              </a:r>
-              <a:r>
-                <a:rPr lang="en-US" dirty="0" smtClean="0"/>
-                <a:t>customer </a:t>
-              </a:r>
-              <a:r>
-                <a:rPr lang="en-US" dirty="0" smtClean="0"/>
-                <a:t>CRM </a:t>
-              </a:r>
-              <a:r>
-                <a:rPr lang="en-US" dirty="0" smtClean="0"/>
-                <a:t>records*</a:t>
-              </a:r>
-              <a:endParaRPr lang="en-US" dirty="0" smtClean="0"/>
-            </a:p>
-            <a:p>
-              <a:r>
-                <a:rPr lang="en-US" dirty="0" smtClean="0"/>
-                <a:t>100M </a:t>
-              </a:r>
-              <a:r>
-                <a:rPr lang="en-US" dirty="0" smtClean="0"/>
-                <a:t>per service per user records*</a:t>
-              </a:r>
-              <a:r>
-                <a:rPr lang="en-US" dirty="0" smtClean="0"/>
-                <a:t> </a:t>
+                <a:t>10M customer CRM records*</a:t>
               </a:r>
             </a:p>
             <a:p>
               <a:r>
                 <a:rPr lang="en-US" dirty="0" smtClean="0"/>
-                <a:t>External </a:t>
+                <a:t>100M per service per user records* </a:t>
               </a:r>
+            </a:p>
+            <a:p>
               <a:r>
                 <a:rPr lang="en-US" dirty="0" smtClean="0"/>
-                <a:t>demographic data</a:t>
+                <a:t>External demographic data</a:t>
               </a:r>
             </a:p>
           </p:txBody>
@@ -3967,8 +3906,8 @@
           </p:nvSpPr>
           <p:spPr>
             <a:xfrm>
-              <a:off x="3959690" y="1990534"/>
-              <a:ext cx="1668405" cy="1200329"/>
+              <a:off x="3939796" y="2139124"/>
+              <a:ext cx="1864042" cy="923330"/>
             </a:xfrm>
             <a:prstGeom prst="rect">
               <a:avLst/>
@@ -3984,22 +3923,20 @@
               <a:pPr algn="ctr"/>
               <a:r>
                 <a:rPr lang="en-US" dirty="0" smtClean="0"/>
-                <a:t>Define</a:t>
+                <a:t>Market </a:t>
+              </a:r>
+              <a:r>
+                <a:rPr lang="en-US" dirty="0" smtClean="0"/>
+                <a:t>Interest</a:t>
               </a:r>
             </a:p>
             <a:p>
               <a:pPr algn="ctr"/>
               <a:r>
                 <a:rPr lang="en-US" dirty="0" smtClean="0"/>
-                <a:t>Market Interest</a:t>
+                <a:t>Revenue to carrier</a:t>
               </a:r>
-            </a:p>
-            <a:p>
-              <a:pPr algn="ctr"/>
-              <a:r>
-                <a:rPr lang="en-US" dirty="0" smtClean="0"/>
-                <a:t>Perceived Value</a:t>
-              </a:r>
+              <a:endParaRPr lang="en-US" dirty="0" smtClean="0"/>
             </a:p>
             <a:p>
               <a:pPr algn="ctr"/>
@@ -4241,6 +4178,30 @@
           </a:p>
         </p:txBody>
       </p:sp>
+      <p:pic>
+        <p:nvPicPr>
+          <p:cNvPr id="4" name="Picture 3"/>
+          <p:cNvPicPr>
+            <a:picLocks noChangeAspect="1"/>
+          </p:cNvPicPr>
+          <p:nvPr/>
+        </p:nvPicPr>
+        <p:blipFill>
+          <a:blip r:embed="rId2"/>
+          <a:stretch>
+            <a:fillRect/>
+          </a:stretch>
+        </p:blipFill>
+        <p:spPr>
+          <a:xfrm>
+            <a:off x="2677738" y="3584766"/>
+            <a:ext cx="6283216" cy="3104319"/>
+          </a:xfrm>
+          <a:prstGeom prst="rect">
+            <a:avLst/>
+          </a:prstGeom>
+        </p:spPr>
+      </p:pic>
     </p:spTree>
     <p:extLst>
       <p:ext uri="{BB962C8B-B14F-4D97-AF65-F5344CB8AC3E}">

--- a/OPRC London UCV Demo.pptx
+++ b/OPRC London UCV Demo.pptx
@@ -213,7 +213,7 @@
           <a:p>
             <a:fld id="{E17CC61B-3F04-447E-9A9F-8BC77E899493}" type="datetimeFigureOut">
               <a:rPr lang="en-SG" smtClean="0"/>
-              <a:t>4/11/2016</a:t>
+              <a:t>8/11/2016</a:t>
             </a:fld>
             <a:endParaRPr lang="en-SG"/>
           </a:p>
@@ -581,7 +581,7 @@
             <a:fld id="{B1D2EC80-2F6F-436D-AF3A-40A3B89B8FA4}" type="datetimeFigureOut">
               <a:rPr lang="en-SG" smtClean="0"/>
               <a:pPr/>
-              <a:t>4/11/2016</a:t>
+              <a:t>8/11/2016</a:t>
             </a:fld>
             <a:endParaRPr lang="en-SG"/>
           </a:p>
@@ -789,7 +789,7 @@
             <a:fld id="{B1D2EC80-2F6F-436D-AF3A-40A3B89B8FA4}" type="datetimeFigureOut">
               <a:rPr lang="en-SG" smtClean="0"/>
               <a:pPr/>
-              <a:t>4/11/2016</a:t>
+              <a:t>8/11/2016</a:t>
             </a:fld>
             <a:endParaRPr lang="en-SG"/>
           </a:p>
@@ -971,7 +971,7 @@
             <a:fld id="{B1D2EC80-2F6F-436D-AF3A-40A3B89B8FA4}" type="datetimeFigureOut">
               <a:rPr lang="en-SG" smtClean="0"/>
               <a:pPr/>
-              <a:t>4/11/2016</a:t>
+              <a:t>8/11/2016</a:t>
             </a:fld>
             <a:endParaRPr lang="en-SG"/>
           </a:p>
@@ -1143,7 +1143,7 @@
             <a:fld id="{B1D2EC80-2F6F-436D-AF3A-40A3B89B8FA4}" type="datetimeFigureOut">
               <a:rPr lang="en-SG" smtClean="0"/>
               <a:pPr/>
-              <a:t>4/11/2016</a:t>
+              <a:t>8/11/2016</a:t>
             </a:fld>
             <a:endParaRPr lang="en-SG"/>
           </a:p>
@@ -1398,7 +1398,7 @@
             <a:fld id="{B1D2EC80-2F6F-436D-AF3A-40A3B89B8FA4}" type="datetimeFigureOut">
               <a:rPr lang="en-SG" smtClean="0"/>
               <a:pPr/>
-              <a:t>4/11/2016</a:t>
+              <a:t>8/11/2016</a:t>
             </a:fld>
             <a:endParaRPr lang="en-SG"/>
           </a:p>
@@ -1632,7 +1632,7 @@
             <a:fld id="{B1D2EC80-2F6F-436D-AF3A-40A3B89B8FA4}" type="datetimeFigureOut">
               <a:rPr lang="en-SG" smtClean="0"/>
               <a:pPr/>
-              <a:t>4/11/2016</a:t>
+              <a:t>8/11/2016</a:t>
             </a:fld>
             <a:endParaRPr lang="en-SG"/>
           </a:p>
@@ -2001,7 +2001,7 @@
             <a:fld id="{B1D2EC80-2F6F-436D-AF3A-40A3B89B8FA4}" type="datetimeFigureOut">
               <a:rPr lang="en-SG" smtClean="0"/>
               <a:pPr/>
-              <a:t>4/11/2016</a:t>
+              <a:t>8/11/2016</a:t>
             </a:fld>
             <a:endParaRPr lang="en-SG"/>
           </a:p>
@@ -2121,7 +2121,7 @@
             <a:fld id="{B1D2EC80-2F6F-436D-AF3A-40A3B89B8FA4}" type="datetimeFigureOut">
               <a:rPr lang="en-SG" smtClean="0"/>
               <a:pPr/>
-              <a:t>4/11/2016</a:t>
+              <a:t>8/11/2016</a:t>
             </a:fld>
             <a:endParaRPr lang="en-SG"/>
           </a:p>
@@ -2218,7 +2218,7 @@
             <a:fld id="{B1D2EC80-2F6F-436D-AF3A-40A3B89B8FA4}" type="datetimeFigureOut">
               <a:rPr lang="en-SG" smtClean="0"/>
               <a:pPr/>
-              <a:t>4/11/2016</a:t>
+              <a:t>8/11/2016</a:t>
             </a:fld>
             <a:endParaRPr lang="en-SG"/>
           </a:p>
@@ -2497,7 +2497,7 @@
             <a:fld id="{B1D2EC80-2F6F-436D-AF3A-40A3B89B8FA4}" type="datetimeFigureOut">
               <a:rPr lang="en-SG" smtClean="0"/>
               <a:pPr/>
-              <a:t>4/11/2016</a:t>
+              <a:t>8/11/2016</a:t>
             </a:fld>
             <a:endParaRPr lang="en-SG"/>
           </a:p>
@@ -2752,7 +2752,7 @@
             <a:fld id="{B1D2EC80-2F6F-436D-AF3A-40A3B89B8FA4}" type="datetimeFigureOut">
               <a:rPr lang="en-SG" smtClean="0"/>
               <a:pPr/>
-              <a:t>4/11/2016</a:t>
+              <a:t>8/11/2016</a:t>
             </a:fld>
             <a:endParaRPr lang="en-SG"/>
           </a:p>
@@ -2997,7 +2997,7 @@
             <a:fld id="{B1D2EC80-2F6F-436D-AF3A-40A3B89B8FA4}" type="datetimeFigureOut">
               <a:rPr lang="en-SG" smtClean="0"/>
               <a:pPr/>
-              <a:t>4/11/2016</a:t>
+              <a:t>8/11/2016</a:t>
             </a:fld>
             <a:endParaRPr lang="en-SG"/>
           </a:p>
@@ -3821,8 +3821,8 @@
         </p:nvSpPr>
         <p:spPr>
           <a:xfrm>
-            <a:off x="838200" y="1365801"/>
-            <a:ext cx="10870892" cy="369332"/>
+            <a:off x="838199" y="1365801"/>
+            <a:ext cx="11439293" cy="369332"/>
           </a:xfrm>
           <a:prstGeom prst="rect">
             <a:avLst/>
@@ -3837,7 +3837,19 @@
           <a:p>
             <a:r>
               <a:rPr lang="en-US" dirty="0" smtClean="0"/>
-              <a:t>“Winter is coming!!!” How much money can we make after running a “Game of Thrones” marketing campaign? </a:t>
+              <a:t>The real “Top Gear” is coming. How </a:t>
+            </a:r>
+            <a:r>
+              <a:rPr lang="en-US" dirty="0" smtClean="0"/>
+              <a:t>much money can we make after </a:t>
+            </a:r>
+            <a:r>
+              <a:rPr lang="en-US" dirty="0" smtClean="0"/>
+              <a:t>offering</a:t>
+            </a:r>
+            <a:r>
+              <a:rPr lang="en-US" dirty="0" smtClean="0"/>
+              <a:t> free Amazon Prime Video subscriptions? </a:t>
             </a:r>
             <a:endParaRPr lang="en-US" dirty="0"/>
           </a:p>
@@ -3923,11 +3935,7 @@
               <a:pPr algn="ctr"/>
               <a:r>
                 <a:rPr lang="en-US" dirty="0" smtClean="0"/>
-                <a:t>Market </a:t>
-              </a:r>
-              <a:r>
-                <a:rPr lang="en-US" dirty="0" smtClean="0"/>
-                <a:t>Interest</a:t>
+                <a:t>Market Interest</a:t>
               </a:r>
             </a:p>
             <a:p>
@@ -3936,7 +3944,6 @@
                 <a:rPr lang="en-US" dirty="0" smtClean="0"/>
                 <a:t>Revenue to carrier</a:t>
               </a:r>
-              <a:endParaRPr lang="en-US" dirty="0" smtClean="0"/>
             </a:p>
             <a:p>
               <a:pPr algn="ctr"/>

--- a/OPRC London UCV Demo.pptx
+++ b/OPRC London UCV Demo.pptx
@@ -213,7 +213,7 @@
           <a:p>
             <a:fld id="{E17CC61B-3F04-447E-9A9F-8BC77E899493}" type="datetimeFigureOut">
               <a:rPr lang="en-SG" smtClean="0"/>
-              <a:t>8/11/2016</a:t>
+              <a:t>9/11/2016</a:t>
             </a:fld>
             <a:endParaRPr lang="en-SG"/>
           </a:p>
@@ -581,7 +581,7 @@
             <a:fld id="{B1D2EC80-2F6F-436D-AF3A-40A3B89B8FA4}" type="datetimeFigureOut">
               <a:rPr lang="en-SG" smtClean="0"/>
               <a:pPr/>
-              <a:t>8/11/2016</a:t>
+              <a:t>9/11/2016</a:t>
             </a:fld>
             <a:endParaRPr lang="en-SG"/>
           </a:p>
@@ -789,7 +789,7 @@
             <a:fld id="{B1D2EC80-2F6F-436D-AF3A-40A3B89B8FA4}" type="datetimeFigureOut">
               <a:rPr lang="en-SG" smtClean="0"/>
               <a:pPr/>
-              <a:t>8/11/2016</a:t>
+              <a:t>9/11/2016</a:t>
             </a:fld>
             <a:endParaRPr lang="en-SG"/>
           </a:p>
@@ -971,7 +971,7 @@
             <a:fld id="{B1D2EC80-2F6F-436D-AF3A-40A3B89B8FA4}" type="datetimeFigureOut">
               <a:rPr lang="en-SG" smtClean="0"/>
               <a:pPr/>
-              <a:t>8/11/2016</a:t>
+              <a:t>9/11/2016</a:t>
             </a:fld>
             <a:endParaRPr lang="en-SG"/>
           </a:p>
@@ -1143,7 +1143,7 @@
             <a:fld id="{B1D2EC80-2F6F-436D-AF3A-40A3B89B8FA4}" type="datetimeFigureOut">
               <a:rPr lang="en-SG" smtClean="0"/>
               <a:pPr/>
-              <a:t>8/11/2016</a:t>
+              <a:t>9/11/2016</a:t>
             </a:fld>
             <a:endParaRPr lang="en-SG"/>
           </a:p>
@@ -1398,7 +1398,7 @@
             <a:fld id="{B1D2EC80-2F6F-436D-AF3A-40A3B89B8FA4}" type="datetimeFigureOut">
               <a:rPr lang="en-SG" smtClean="0"/>
               <a:pPr/>
-              <a:t>8/11/2016</a:t>
+              <a:t>9/11/2016</a:t>
             </a:fld>
             <a:endParaRPr lang="en-SG"/>
           </a:p>
@@ -1632,7 +1632,7 @@
             <a:fld id="{B1D2EC80-2F6F-436D-AF3A-40A3B89B8FA4}" type="datetimeFigureOut">
               <a:rPr lang="en-SG" smtClean="0"/>
               <a:pPr/>
-              <a:t>8/11/2016</a:t>
+              <a:t>9/11/2016</a:t>
             </a:fld>
             <a:endParaRPr lang="en-SG"/>
           </a:p>
@@ -2001,7 +2001,7 @@
             <a:fld id="{B1D2EC80-2F6F-436D-AF3A-40A3B89B8FA4}" type="datetimeFigureOut">
               <a:rPr lang="en-SG" smtClean="0"/>
               <a:pPr/>
-              <a:t>8/11/2016</a:t>
+              <a:t>9/11/2016</a:t>
             </a:fld>
             <a:endParaRPr lang="en-SG"/>
           </a:p>
@@ -2121,7 +2121,7 @@
             <a:fld id="{B1D2EC80-2F6F-436D-AF3A-40A3B89B8FA4}" type="datetimeFigureOut">
               <a:rPr lang="en-SG" smtClean="0"/>
               <a:pPr/>
-              <a:t>8/11/2016</a:t>
+              <a:t>9/11/2016</a:t>
             </a:fld>
             <a:endParaRPr lang="en-SG"/>
           </a:p>
@@ -2218,7 +2218,7 @@
             <a:fld id="{B1D2EC80-2F6F-436D-AF3A-40A3B89B8FA4}" type="datetimeFigureOut">
               <a:rPr lang="en-SG" smtClean="0"/>
               <a:pPr/>
-              <a:t>8/11/2016</a:t>
+              <a:t>9/11/2016</a:t>
             </a:fld>
             <a:endParaRPr lang="en-SG"/>
           </a:p>
@@ -2497,7 +2497,7 @@
             <a:fld id="{B1D2EC80-2F6F-436D-AF3A-40A3B89B8FA4}" type="datetimeFigureOut">
               <a:rPr lang="en-SG" smtClean="0"/>
               <a:pPr/>
-              <a:t>8/11/2016</a:t>
+              <a:t>9/11/2016</a:t>
             </a:fld>
             <a:endParaRPr lang="en-SG"/>
           </a:p>
@@ -2752,7 +2752,7 @@
             <a:fld id="{B1D2EC80-2F6F-436D-AF3A-40A3B89B8FA4}" type="datetimeFigureOut">
               <a:rPr lang="en-SG" smtClean="0"/>
               <a:pPr/>
-              <a:t>8/11/2016</a:t>
+              <a:t>9/11/2016</a:t>
             </a:fld>
             <a:endParaRPr lang="en-SG"/>
           </a:p>
@@ -2997,7 +2997,7 @@
             <a:fld id="{B1D2EC80-2F6F-436D-AF3A-40A3B89B8FA4}" type="datetimeFigureOut">
               <a:rPr lang="en-SG" smtClean="0"/>
               <a:pPr/>
-              <a:t>8/11/2016</a:t>
+              <a:t>9/11/2016</a:t>
             </a:fld>
             <a:endParaRPr lang="en-SG"/>
           </a:p>
@@ -3836,22 +3836,18 @@
           <a:lstStyle/>
           <a:p>
             <a:r>
-              <a:rPr lang="en-US" dirty="0" smtClean="0"/>
-              <a:t>The real “Top Gear” is coming. How </a:t>
-            </a:r>
-            <a:r>
-              <a:rPr lang="en-US" dirty="0" smtClean="0"/>
-              <a:t>much money can we make after </a:t>
-            </a:r>
-            <a:r>
-              <a:rPr lang="en-US" dirty="0" smtClean="0"/>
-              <a:t>offering</a:t>
-            </a:r>
-            <a:r>
-              <a:rPr lang="en-US" dirty="0" smtClean="0"/>
-              <a:t> free Amazon Prime Video subscriptions? </a:t>
-            </a:r>
-            <a:endParaRPr lang="en-US" dirty="0"/>
+              <a:rPr lang="en-US" b="1" dirty="0" smtClean="0">
+                <a:solidFill>
+                  <a:srgbClr val="FF0000"/>
+                </a:solidFill>
+              </a:rPr>
+              <a:t>The real “Top Gear” is coming. How much money can we make after offering free Amazon Prime Video subscriptions? </a:t>
+            </a:r>
+            <a:endParaRPr lang="en-US" b="1" dirty="0">
+              <a:solidFill>
+                <a:srgbClr val="FF0000"/>
+              </a:solidFill>
+            </a:endParaRPr>
           </a:p>
         </p:txBody>
       </p:sp>
@@ -3863,10 +3859,10 @@
         </p:nvGrpSpPr>
         <p:grpSpPr>
           <a:xfrm>
-            <a:off x="451945" y="2129037"/>
-            <a:ext cx="11010250" cy="933417"/>
+            <a:off x="451945" y="1721408"/>
+            <a:ext cx="11010250" cy="841084"/>
             <a:chOff x="197981" y="2129037"/>
-            <a:chExt cx="10723304" cy="933417"/>
+            <a:chExt cx="10723304" cy="841084"/>
           </a:xfrm>
         </p:grpSpPr>
         <p:sp>
@@ -3878,7 +3874,7 @@
           <p:spPr>
             <a:xfrm>
               <a:off x="197981" y="2129037"/>
-              <a:ext cx="3640661" cy="923330"/>
+              <a:ext cx="3640661" cy="830997"/>
             </a:xfrm>
             <a:prstGeom prst="rect">
               <a:avLst/>
@@ -3892,19 +3888,19 @@
             <a:lstStyle/>
             <a:p>
               <a:r>
-                <a:rPr lang="en-US" dirty="0" smtClean="0"/>
+                <a:rPr lang="en-US" sz="1600" dirty="0" smtClean="0"/>
                 <a:t>10M customer CRM records*</a:t>
               </a:r>
             </a:p>
             <a:p>
               <a:r>
-                <a:rPr lang="en-US" dirty="0" smtClean="0"/>
+                <a:rPr lang="en-US" sz="1600" dirty="0" smtClean="0"/>
                 <a:t>100M per service per user records* </a:t>
               </a:r>
             </a:p>
             <a:p>
               <a:r>
-                <a:rPr lang="en-US" dirty="0" smtClean="0"/>
+                <a:rPr lang="en-US" sz="1600" dirty="0" smtClean="0"/>
                 <a:t>External demographic data</a:t>
               </a:r>
             </a:p>
@@ -3918,8 +3914,8 @@
           </p:nvSpPr>
           <p:spPr>
             <a:xfrm>
-              <a:off x="3939796" y="2139124"/>
-              <a:ext cx="1864042" cy="923330"/>
+              <a:off x="4032845" y="2139124"/>
+              <a:ext cx="1677944" cy="830997"/>
             </a:xfrm>
             <a:prstGeom prst="rect">
               <a:avLst/>
@@ -3934,24 +3930,24 @@
             <a:p>
               <a:pPr algn="ctr"/>
               <a:r>
-                <a:rPr lang="en-US" dirty="0" smtClean="0"/>
+                <a:rPr lang="en-US" sz="1600" dirty="0" smtClean="0"/>
                 <a:t>Market Interest</a:t>
               </a:r>
             </a:p>
             <a:p>
               <a:pPr algn="ctr"/>
               <a:r>
-                <a:rPr lang="en-US" dirty="0" smtClean="0"/>
+                <a:rPr lang="en-US" sz="1600" dirty="0" smtClean="0"/>
                 <a:t>Revenue to carrier</a:t>
               </a:r>
             </a:p>
             <a:p>
               <a:pPr algn="ctr"/>
               <a:r>
-                <a:rPr lang="en-US" dirty="0" smtClean="0"/>
+                <a:rPr lang="en-US" sz="1600" dirty="0" smtClean="0"/>
                 <a:t>Cost to Deliver</a:t>
               </a:r>
-              <a:endParaRPr lang="en-US" dirty="0"/>
+              <a:endParaRPr lang="en-US" sz="1600" dirty="0"/>
             </a:p>
           </p:txBody>
         </p:sp>
@@ -3963,8 +3959,8 @@
           </p:nvSpPr>
           <p:spPr>
             <a:xfrm>
-              <a:off x="6413212" y="2129037"/>
-              <a:ext cx="1407950" cy="923330"/>
+              <a:off x="6498441" y="2129037"/>
+              <a:ext cx="1237490" cy="830997"/>
             </a:xfrm>
             <a:prstGeom prst="rect">
               <a:avLst/>
@@ -3979,25 +3975,25 @@
             <a:p>
               <a:pPr algn="ctr"/>
               <a:r>
-                <a:rPr lang="en-US" dirty="0" smtClean="0"/>
+                <a:rPr lang="en-US" sz="1600" dirty="0" smtClean="0"/>
                 <a:t>Run </a:t>
               </a:r>
-              <a:endParaRPr lang="en-US" dirty="0"/>
+              <a:endParaRPr lang="en-US" sz="1600" dirty="0"/>
             </a:p>
             <a:p>
               <a:pPr algn="ctr"/>
               <a:r>
-                <a:rPr lang="en-US" dirty="0" smtClean="0"/>
+                <a:rPr lang="en-US" sz="1600" dirty="0" smtClean="0"/>
                 <a:t>Monte Carlo </a:t>
               </a:r>
             </a:p>
             <a:p>
               <a:pPr algn="ctr"/>
               <a:r>
-                <a:rPr lang="en-US" dirty="0" smtClean="0"/>
+                <a:rPr lang="en-US" sz="1600" dirty="0" smtClean="0"/>
                 <a:t>Simulation</a:t>
               </a:r>
-              <a:endParaRPr lang="en-US" dirty="0">
+              <a:endParaRPr lang="en-US" sz="1600" dirty="0">
                 <a:solidFill>
                   <a:schemeClr val="accent1"/>
                 </a:solidFill>
@@ -4014,7 +4010,7 @@
           <p:spPr>
             <a:xfrm>
               <a:off x="8485231" y="2267532"/>
-              <a:ext cx="2436054" cy="646331"/>
+              <a:ext cx="2436054" cy="584775"/>
             </a:xfrm>
             <a:prstGeom prst="rect">
               <a:avLst/>
@@ -4029,21 +4025,21 @@
             <a:p>
               <a:pPr algn="ctr"/>
               <a:r>
-                <a:rPr lang="en-US" dirty="0" smtClean="0"/>
+                <a:rPr lang="en-US" sz="1600" dirty="0" smtClean="0"/>
                 <a:t>Group customers based</a:t>
               </a:r>
             </a:p>
             <a:p>
               <a:pPr algn="ctr"/>
               <a:r>
-                <a:rPr lang="en-US" dirty="0"/>
+                <a:rPr lang="en-US" sz="1600" dirty="0"/>
                 <a:t>o</a:t>
               </a:r>
               <a:r>
-                <a:rPr lang="en-US" dirty="0" smtClean="0"/>
+                <a:rPr lang="en-US" sz="1600" dirty="0" smtClean="0"/>
                 <a:t>n profit</a:t>
               </a:r>
-              <a:endParaRPr lang="en-US" dirty="0"/>
+              <a:endParaRPr lang="en-US" sz="1600" dirty="0"/>
             </a:p>
           </p:txBody>
         </p:sp>
@@ -4201,8 +4197,8 @@
         </p:blipFill>
         <p:spPr>
           <a:xfrm>
-            <a:off x="2677738" y="3584766"/>
-            <a:ext cx="6283216" cy="3104319"/>
+            <a:off x="1651266" y="2506234"/>
+            <a:ext cx="8808077" cy="4351765"/>
           </a:xfrm>
           <a:prstGeom prst="rect">
             <a:avLst/>

--- a/OPRC London UCV Demo.pptx
+++ b/OPRC London UCV Demo.pptx
@@ -4181,30 +4181,6 @@
           </a:p>
         </p:txBody>
       </p:sp>
-      <p:pic>
-        <p:nvPicPr>
-          <p:cNvPr id="4" name="Picture 3"/>
-          <p:cNvPicPr>
-            <a:picLocks noChangeAspect="1"/>
-          </p:cNvPicPr>
-          <p:nvPr/>
-        </p:nvPicPr>
-        <p:blipFill>
-          <a:blip r:embed="rId2"/>
-          <a:stretch>
-            <a:fillRect/>
-          </a:stretch>
-        </p:blipFill>
-        <p:spPr>
-          <a:xfrm>
-            <a:off x="1651266" y="2506234"/>
-            <a:ext cx="8808077" cy="4351765"/>
-          </a:xfrm>
-          <a:prstGeom prst="rect">
-            <a:avLst/>
-          </a:prstGeom>
-        </p:spPr>
-      </p:pic>
     </p:spTree>
     <p:extLst>
       <p:ext uri="{BB962C8B-B14F-4D97-AF65-F5344CB8AC3E}">

--- a/OPRC London UCV Demo.pptx
+++ b/OPRC London UCV Demo.pptx
@@ -4181,6 +4181,30 @@
           </a:p>
         </p:txBody>
       </p:sp>
+      <p:pic>
+        <p:nvPicPr>
+          <p:cNvPr id="4" name="Picture 3"/>
+          <p:cNvPicPr>
+            <a:picLocks noChangeAspect="1"/>
+          </p:cNvPicPr>
+          <p:nvPr/>
+        </p:nvPicPr>
+        <p:blipFill>
+          <a:blip r:embed="rId2"/>
+          <a:stretch>
+            <a:fillRect/>
+          </a:stretch>
+        </p:blipFill>
+        <p:spPr>
+          <a:xfrm>
+            <a:off x="1913856" y="2603299"/>
+            <a:ext cx="8637556" cy="4254701"/>
+          </a:xfrm>
+          <a:prstGeom prst="rect">
+            <a:avLst/>
+          </a:prstGeom>
+        </p:spPr>
+      </p:pic>
     </p:spTree>
     <p:extLst>
       <p:ext uri="{BB962C8B-B14F-4D97-AF65-F5344CB8AC3E}">

--- a/OPRC London UCV Demo.pptx
+++ b/OPRC London UCV Demo.pptx
@@ -3422,7 +3422,7 @@
         </p:nvSpPr>
         <p:spPr>
           <a:xfrm>
-            <a:off x="1137975" y="2956902"/>
+            <a:off x="1115298" y="2614099"/>
             <a:ext cx="9961404" cy="1629802"/>
           </a:xfrm>
         </p:spPr>
@@ -3432,7 +3432,7 @@
           </a:bodyPr>
           <a:lstStyle/>
           <a:p>
-            <a:pPr algn="l"/>
+            <a:pPr algn="ctr"/>
             <a:r>
               <a:rPr lang="en-SG" sz="5000" b="1" dirty="0" smtClean="0">
                 <a:solidFill>
@@ -3469,8 +3469,8 @@
         </p:nvSpPr>
         <p:spPr>
           <a:xfrm>
-            <a:off x="1137975" y="4681731"/>
-            <a:ext cx="9961404" cy="761780"/>
+            <a:off x="4177010" y="3767331"/>
+            <a:ext cx="4146719" cy="761780"/>
           </a:xfrm>
         </p:spPr>
         <p:txBody>
@@ -3490,259 +3490,6 @@
               <a:t>Big Data Demonstration</a:t>
             </a:r>
             <a:endParaRPr lang="en-SG" dirty="0">
-              <a:solidFill>
-                <a:schemeClr val="tx1">
-                  <a:lumMod val="75000"/>
-                  <a:lumOff val="25000"/>
-                </a:schemeClr>
-              </a:solidFill>
-            </a:endParaRPr>
-          </a:p>
-        </p:txBody>
-      </p:sp>
-      <p:sp>
-        <p:nvSpPr>
-          <p:cNvPr id="8" name="Subtitle 2"/>
-          <p:cNvSpPr txBox="1">
-            <a:spLocks/>
-          </p:cNvSpPr>
-          <p:nvPr/>
-        </p:nvSpPr>
-        <p:spPr>
-          <a:xfrm>
-            <a:off x="1154910" y="5883998"/>
-            <a:ext cx="9961404" cy="761780"/>
-          </a:xfrm>
-          <a:prstGeom prst="rect">
-            <a:avLst/>
-          </a:prstGeom>
-        </p:spPr>
-        <p:txBody>
-          <a:bodyPr vert="horz" lIns="91440" tIns="45720" rIns="91440" bIns="45720" rtlCol="0">
-            <a:normAutofit/>
-          </a:bodyPr>
-          <a:lstStyle>
-            <a:lvl1pPr marL="0" indent="0" algn="ctr" defTabSz="914400" rtl="0" eaLnBrk="1" latinLnBrk="0" hangingPunct="1">
-              <a:lnSpc>
-                <a:spcPct val="90000"/>
-              </a:lnSpc>
-              <a:spcBef>
-                <a:spcPts val="1000"/>
-              </a:spcBef>
-              <a:buFont typeface="Arial" panose="020B0604020202020204" pitchFamily="34" charset="0"/>
-              <a:buNone/>
-              <a:defRPr sz="2400" b="0" i="0" kern="1200">
-                <a:solidFill>
-                  <a:schemeClr val="tx1"/>
-                </a:solidFill>
-                <a:latin typeface="Helvetica Light"/>
-                <a:ea typeface="+mn-ea"/>
-                <a:cs typeface="Helvetica Light"/>
-              </a:defRPr>
-            </a:lvl1pPr>
-            <a:lvl2pPr marL="457200" indent="0" algn="ctr" defTabSz="914400" rtl="0" eaLnBrk="1" latinLnBrk="0" hangingPunct="1">
-              <a:lnSpc>
-                <a:spcPct val="90000"/>
-              </a:lnSpc>
-              <a:spcBef>
-                <a:spcPts val="500"/>
-              </a:spcBef>
-              <a:buFont typeface="Arial" panose="020B0604020202020204" pitchFamily="34" charset="0"/>
-              <a:buNone/>
-              <a:defRPr sz="2000" b="0" i="0" kern="1200">
-                <a:solidFill>
-                  <a:schemeClr val="tx1"/>
-                </a:solidFill>
-                <a:latin typeface="Helvetica Light"/>
-                <a:ea typeface="+mn-ea"/>
-                <a:cs typeface="Helvetica Light"/>
-              </a:defRPr>
-            </a:lvl2pPr>
-            <a:lvl3pPr marL="914400" indent="0" algn="ctr" defTabSz="914400" rtl="0" eaLnBrk="1" latinLnBrk="0" hangingPunct="1">
-              <a:lnSpc>
-                <a:spcPct val="90000"/>
-              </a:lnSpc>
-              <a:spcBef>
-                <a:spcPts val="500"/>
-              </a:spcBef>
-              <a:buFont typeface="Arial" panose="020B0604020202020204" pitchFamily="34" charset="0"/>
-              <a:buNone/>
-              <a:defRPr sz="1800" b="0" i="0" kern="1200">
-                <a:solidFill>
-                  <a:schemeClr val="tx1"/>
-                </a:solidFill>
-                <a:latin typeface="Helvetica Light"/>
-                <a:ea typeface="+mn-ea"/>
-                <a:cs typeface="Helvetica Light"/>
-              </a:defRPr>
-            </a:lvl3pPr>
-            <a:lvl4pPr marL="1371600" indent="0" algn="ctr" defTabSz="914400" rtl="0" eaLnBrk="1" latinLnBrk="0" hangingPunct="1">
-              <a:lnSpc>
-                <a:spcPct val="90000"/>
-              </a:lnSpc>
-              <a:spcBef>
-                <a:spcPts val="500"/>
-              </a:spcBef>
-              <a:buFont typeface="Arial" panose="020B0604020202020204" pitchFamily="34" charset="0"/>
-              <a:buNone/>
-              <a:defRPr sz="1600" b="0" i="0" kern="1200">
-                <a:solidFill>
-                  <a:schemeClr val="tx1"/>
-                </a:solidFill>
-                <a:latin typeface="Helvetica Light"/>
-                <a:ea typeface="+mn-ea"/>
-                <a:cs typeface="Helvetica Light"/>
-              </a:defRPr>
-            </a:lvl4pPr>
-            <a:lvl5pPr marL="1828800" indent="0" algn="ctr" defTabSz="914400" rtl="0" eaLnBrk="1" latinLnBrk="0" hangingPunct="1">
-              <a:lnSpc>
-                <a:spcPct val="90000"/>
-              </a:lnSpc>
-              <a:spcBef>
-                <a:spcPts val="500"/>
-              </a:spcBef>
-              <a:buFont typeface="Arial" panose="020B0604020202020204" pitchFamily="34" charset="0"/>
-              <a:buNone/>
-              <a:defRPr sz="1600" b="0" i="0" kern="1200">
-                <a:solidFill>
-                  <a:schemeClr val="tx1"/>
-                </a:solidFill>
-                <a:latin typeface="Helvetica Light"/>
-                <a:ea typeface="+mn-ea"/>
-                <a:cs typeface="Helvetica Light"/>
-              </a:defRPr>
-            </a:lvl5pPr>
-            <a:lvl6pPr marL="2286000" indent="0" algn="ctr" defTabSz="914400" rtl="0" eaLnBrk="1" latinLnBrk="0" hangingPunct="1">
-              <a:lnSpc>
-                <a:spcPct val="90000"/>
-              </a:lnSpc>
-              <a:spcBef>
-                <a:spcPts val="500"/>
-              </a:spcBef>
-              <a:buFont typeface="Arial" panose="020B0604020202020204" pitchFamily="34" charset="0"/>
-              <a:buNone/>
-              <a:defRPr sz="1600" kern="1200">
-                <a:solidFill>
-                  <a:schemeClr val="tx1"/>
-                </a:solidFill>
-                <a:latin typeface="+mn-lt"/>
-                <a:ea typeface="+mn-ea"/>
-                <a:cs typeface="+mn-cs"/>
-              </a:defRPr>
-            </a:lvl6pPr>
-            <a:lvl7pPr marL="2743200" indent="0" algn="ctr" defTabSz="914400" rtl="0" eaLnBrk="1" latinLnBrk="0" hangingPunct="1">
-              <a:lnSpc>
-                <a:spcPct val="90000"/>
-              </a:lnSpc>
-              <a:spcBef>
-                <a:spcPts val="500"/>
-              </a:spcBef>
-              <a:buFont typeface="Arial" panose="020B0604020202020204" pitchFamily="34" charset="0"/>
-              <a:buNone/>
-              <a:defRPr sz="1600" kern="1200">
-                <a:solidFill>
-                  <a:schemeClr val="tx1"/>
-                </a:solidFill>
-                <a:latin typeface="+mn-lt"/>
-                <a:ea typeface="+mn-ea"/>
-                <a:cs typeface="+mn-cs"/>
-              </a:defRPr>
-            </a:lvl7pPr>
-            <a:lvl8pPr marL="3200400" indent="0" algn="ctr" defTabSz="914400" rtl="0" eaLnBrk="1" latinLnBrk="0" hangingPunct="1">
-              <a:lnSpc>
-                <a:spcPct val="90000"/>
-              </a:lnSpc>
-              <a:spcBef>
-                <a:spcPts val="500"/>
-              </a:spcBef>
-              <a:buFont typeface="Arial" panose="020B0604020202020204" pitchFamily="34" charset="0"/>
-              <a:buNone/>
-              <a:defRPr sz="1600" kern="1200">
-                <a:solidFill>
-                  <a:schemeClr val="tx1"/>
-                </a:solidFill>
-                <a:latin typeface="+mn-lt"/>
-                <a:ea typeface="+mn-ea"/>
-                <a:cs typeface="+mn-cs"/>
-              </a:defRPr>
-            </a:lvl8pPr>
-            <a:lvl9pPr marL="3657600" indent="0" algn="ctr" defTabSz="914400" rtl="0" eaLnBrk="1" latinLnBrk="0" hangingPunct="1">
-              <a:lnSpc>
-                <a:spcPct val="90000"/>
-              </a:lnSpc>
-              <a:spcBef>
-                <a:spcPts val="500"/>
-              </a:spcBef>
-              <a:buFont typeface="Arial" panose="020B0604020202020204" pitchFamily="34" charset="0"/>
-              <a:buNone/>
-              <a:defRPr sz="1600" kern="1200">
-                <a:solidFill>
-                  <a:schemeClr val="tx1"/>
-                </a:solidFill>
-                <a:latin typeface="+mn-lt"/>
-                <a:ea typeface="+mn-ea"/>
-                <a:cs typeface="+mn-cs"/>
-              </a:defRPr>
-            </a:lvl9pPr>
-          </a:lstStyle>
-          <a:p>
-            <a:pPr algn="l"/>
-            <a:r>
-              <a:rPr lang="en-SG" sz="1800" dirty="0" smtClean="0">
-                <a:solidFill>
-                  <a:schemeClr val="tx1">
-                    <a:lumMod val="75000"/>
-                    <a:lumOff val="25000"/>
-                  </a:schemeClr>
-                </a:solidFill>
-              </a:rPr>
-              <a:t>9</a:t>
-            </a:r>
-            <a:r>
-              <a:rPr lang="en-SG" sz="1800" baseline="30000" dirty="0" smtClean="0">
-                <a:solidFill>
-                  <a:schemeClr val="tx1">
-                    <a:lumMod val="75000"/>
-                    <a:lumOff val="25000"/>
-                  </a:schemeClr>
-                </a:solidFill>
-              </a:rPr>
-              <a:t>th</a:t>
-            </a:r>
-            <a:r>
-              <a:rPr lang="en-SG" sz="1800" dirty="0" smtClean="0">
-                <a:solidFill>
-                  <a:schemeClr val="tx1">
-                    <a:lumMod val="75000"/>
-                    <a:lumOff val="25000"/>
-                  </a:schemeClr>
-                </a:solidFill>
-              </a:rPr>
-              <a:t> - 11</a:t>
-            </a:r>
-            <a:r>
-              <a:rPr lang="en-SG" sz="1800" baseline="30000" dirty="0" smtClean="0">
-                <a:solidFill>
-                  <a:schemeClr val="tx1">
-                    <a:lumMod val="75000"/>
-                    <a:lumOff val="25000"/>
-                  </a:schemeClr>
-                </a:solidFill>
-              </a:rPr>
-              <a:t>th</a:t>
-            </a:r>
-            <a:r>
-              <a:rPr lang="en-SG" sz="1800" dirty="0" smtClean="0">
-                <a:solidFill>
-                  <a:schemeClr val="tx1">
-                    <a:lumMod val="75000"/>
-                    <a:lumOff val="25000"/>
-                  </a:schemeClr>
-                </a:solidFill>
-              </a:rPr>
-              <a:t> November</a:t>
-            </a:r>
-            <a:endParaRPr lang="en-SG" sz="1800" dirty="0">
               <a:solidFill>
                 <a:schemeClr val="tx1">
                   <a:lumMod val="75000"/>
@@ -3800,7 +3547,12 @@
             <p:ph type="title"/>
           </p:nvPr>
         </p:nvSpPr>
-        <p:spPr/>
+        <p:spPr>
+          <a:xfrm>
+            <a:off x="838199" y="0"/>
+            <a:ext cx="10515600" cy="1325563"/>
+          </a:xfrm>
+        </p:spPr>
         <p:txBody>
           <a:bodyPr/>
           <a:lstStyle/>
@@ -3821,7 +3573,7 @@
         </p:nvSpPr>
         <p:spPr>
           <a:xfrm>
-            <a:off x="838199" y="1365801"/>
+            <a:off x="838199" y="1079616"/>
             <a:ext cx="11439293" cy="369332"/>
           </a:xfrm>
           <a:prstGeom prst="rect">
@@ -3859,10 +3611,10 @@
         </p:nvGrpSpPr>
         <p:grpSpPr>
           <a:xfrm>
-            <a:off x="451945" y="1721408"/>
-            <a:ext cx="11010250" cy="841084"/>
-            <a:chOff x="197981" y="2129037"/>
-            <a:chExt cx="10723304" cy="841084"/>
+            <a:off x="820605" y="1517097"/>
+            <a:ext cx="10780518" cy="841084"/>
+            <a:chOff x="421726" y="2129037"/>
+            <a:chExt cx="10499559" cy="841084"/>
           </a:xfrm>
         </p:grpSpPr>
         <p:sp>
@@ -3873,7 +3625,7 @@
           </p:nvSpPr>
           <p:spPr>
             <a:xfrm>
-              <a:off x="197981" y="2129037"/>
+              <a:off x="421726" y="2129037"/>
               <a:ext cx="3640661" cy="830997"/>
             </a:xfrm>
             <a:prstGeom prst="rect">
@@ -4183,7 +3935,7 @@
       </p:sp>
       <p:pic>
         <p:nvPicPr>
-          <p:cNvPr id="4" name="Picture 3"/>
+          <p:cNvPr id="14" name="Picture 13"/>
           <p:cNvPicPr>
             <a:picLocks noChangeAspect="1"/>
           </p:cNvPicPr>
@@ -4197,8 +3949,8 @@
         </p:blipFill>
         <p:spPr>
           <a:xfrm>
-            <a:off x="1913856" y="2603299"/>
-            <a:ext cx="8637556" cy="4254701"/>
+            <a:off x="1767813" y="2348094"/>
+            <a:ext cx="8966770" cy="4416866"/>
           </a:xfrm>
           <a:prstGeom prst="rect">
             <a:avLst/>
@@ -4252,7 +4004,12 @@
             <p:ph type="title"/>
           </p:nvPr>
         </p:nvSpPr>
-        <p:spPr/>
+        <p:spPr>
+          <a:xfrm>
+            <a:off x="838200" y="41216"/>
+            <a:ext cx="10515600" cy="1325563"/>
+          </a:xfrm>
+        </p:spPr>
         <p:txBody>
           <a:bodyPr/>
           <a:lstStyle/>
@@ -4281,7 +4038,7 @@
         </p:blipFill>
         <p:spPr>
           <a:xfrm>
-            <a:off x="2119344" y="5611890"/>
+            <a:off x="2105277" y="5457145"/>
             <a:ext cx="898067" cy="862145"/>
           </a:xfrm>
           <a:prstGeom prst="rect">
@@ -4307,7 +4064,7 @@
         </p:blipFill>
         <p:spPr>
           <a:xfrm>
-            <a:off x="3501012" y="5611890"/>
+            <a:off x="3486945" y="5457145"/>
             <a:ext cx="866799" cy="757691"/>
           </a:xfrm>
           <a:prstGeom prst="rect">
@@ -4331,7 +4088,7 @@
         </p:blipFill>
         <p:spPr>
           <a:xfrm>
-            <a:off x="4950185" y="5532358"/>
+            <a:off x="4936118" y="5377613"/>
             <a:ext cx="1152525" cy="1152525"/>
           </a:xfrm>
           <a:prstGeom prst="rect">
@@ -4355,7 +4112,7 @@
         </p:blipFill>
         <p:spPr>
           <a:xfrm>
-            <a:off x="6684420" y="5550792"/>
+            <a:off x="6670353" y="5396047"/>
             <a:ext cx="2021983" cy="1058382"/>
           </a:xfrm>
           <a:prstGeom prst="rect">
@@ -4379,7 +4136,7 @@
         </p:blipFill>
         <p:spPr>
           <a:xfrm>
-            <a:off x="9190004" y="5550792"/>
+            <a:off x="9175937" y="5396047"/>
             <a:ext cx="1147778" cy="1147778"/>
           </a:xfrm>
           <a:prstGeom prst="rect">
@@ -4395,7 +4152,7 @@
         </p:nvSpPr>
         <p:spPr>
           <a:xfrm>
-            <a:off x="1968321" y="1948268"/>
+            <a:off x="1954254" y="1793523"/>
             <a:ext cx="8255358" cy="3406042"/>
           </a:xfrm>
           <a:prstGeom prst="roundRect">
@@ -4442,7 +4199,7 @@
         </p:nvGrpSpPr>
         <p:grpSpPr>
           <a:xfrm>
-            <a:off x="3174386" y="1570921"/>
+            <a:off x="3160319" y="1416176"/>
             <a:ext cx="6282339" cy="3054519"/>
             <a:chOff x="1940161" y="1467888"/>
             <a:chExt cx="6282339" cy="3054519"/>
@@ -5139,7 +4896,7 @@
         </p:blipFill>
         <p:spPr>
           <a:xfrm>
-            <a:off x="2012687" y="1243841"/>
+            <a:off x="1998620" y="1089096"/>
             <a:ext cx="1546929" cy="1170435"/>
           </a:xfrm>
           <a:prstGeom prst="rect">
